--- a/Exercise work.pptx
+++ b/Exercise work.pptx
@@ -294,7 +294,7 @@
           <a:p>
             <a:fld id="{F93D40CA-7881-4CEE-ACE1-1D1DD43EAAD8}" type="datetimeFigureOut">
               <a:rPr lang="fi-FI" smtClean="0"/>
-              <a:t>10.5.2023</a:t>
+              <a:t>11.5.2023</a:t>
             </a:fld>
             <a:endParaRPr lang="fi-FI"/>
           </a:p>
@@ -464,7 +464,7 @@
           <a:p>
             <a:fld id="{F93D40CA-7881-4CEE-ACE1-1D1DD43EAAD8}" type="datetimeFigureOut">
               <a:rPr lang="fi-FI" smtClean="0"/>
-              <a:t>10.5.2023</a:t>
+              <a:t>11.5.2023</a:t>
             </a:fld>
             <a:endParaRPr lang="fi-FI"/>
           </a:p>
@@ -644,7 +644,7 @@
           <a:p>
             <a:fld id="{F93D40CA-7881-4CEE-ACE1-1D1DD43EAAD8}" type="datetimeFigureOut">
               <a:rPr lang="fi-FI" smtClean="0"/>
-              <a:t>10.5.2023</a:t>
+              <a:t>11.5.2023</a:t>
             </a:fld>
             <a:endParaRPr lang="fi-FI"/>
           </a:p>
@@ -814,7 +814,7 @@
           <a:p>
             <a:fld id="{F93D40CA-7881-4CEE-ACE1-1D1DD43EAAD8}" type="datetimeFigureOut">
               <a:rPr lang="fi-FI" smtClean="0"/>
-              <a:t>10.5.2023</a:t>
+              <a:t>11.5.2023</a:t>
             </a:fld>
             <a:endParaRPr lang="fi-FI"/>
           </a:p>
@@ -1060,7 +1060,7 @@
           <a:p>
             <a:fld id="{F93D40CA-7881-4CEE-ACE1-1D1DD43EAAD8}" type="datetimeFigureOut">
               <a:rPr lang="fi-FI" smtClean="0"/>
-              <a:t>10.5.2023</a:t>
+              <a:t>11.5.2023</a:t>
             </a:fld>
             <a:endParaRPr lang="fi-FI"/>
           </a:p>
@@ -1348,7 +1348,7 @@
           <a:p>
             <a:fld id="{F93D40CA-7881-4CEE-ACE1-1D1DD43EAAD8}" type="datetimeFigureOut">
               <a:rPr lang="fi-FI" smtClean="0"/>
-              <a:t>10.5.2023</a:t>
+              <a:t>11.5.2023</a:t>
             </a:fld>
             <a:endParaRPr lang="fi-FI"/>
           </a:p>
@@ -1770,7 +1770,7 @@
           <a:p>
             <a:fld id="{F93D40CA-7881-4CEE-ACE1-1D1DD43EAAD8}" type="datetimeFigureOut">
               <a:rPr lang="fi-FI" smtClean="0"/>
-              <a:t>10.5.2023</a:t>
+              <a:t>11.5.2023</a:t>
             </a:fld>
             <a:endParaRPr lang="fi-FI"/>
           </a:p>
@@ -1888,7 +1888,7 @@
           <a:p>
             <a:fld id="{F93D40CA-7881-4CEE-ACE1-1D1DD43EAAD8}" type="datetimeFigureOut">
               <a:rPr lang="fi-FI" smtClean="0"/>
-              <a:t>10.5.2023</a:t>
+              <a:t>11.5.2023</a:t>
             </a:fld>
             <a:endParaRPr lang="fi-FI"/>
           </a:p>
@@ -1983,7 +1983,7 @@
           <a:p>
             <a:fld id="{F93D40CA-7881-4CEE-ACE1-1D1DD43EAAD8}" type="datetimeFigureOut">
               <a:rPr lang="fi-FI" smtClean="0"/>
-              <a:t>10.5.2023</a:t>
+              <a:t>11.5.2023</a:t>
             </a:fld>
             <a:endParaRPr lang="fi-FI"/>
           </a:p>
@@ -2260,7 +2260,7 @@
           <a:p>
             <a:fld id="{F93D40CA-7881-4CEE-ACE1-1D1DD43EAAD8}" type="datetimeFigureOut">
               <a:rPr lang="fi-FI" smtClean="0"/>
-              <a:t>10.5.2023</a:t>
+              <a:t>11.5.2023</a:t>
             </a:fld>
             <a:endParaRPr lang="fi-FI"/>
           </a:p>
@@ -2513,7 +2513,7 @@
           <a:p>
             <a:fld id="{F93D40CA-7881-4CEE-ACE1-1D1DD43EAAD8}" type="datetimeFigureOut">
               <a:rPr lang="fi-FI" smtClean="0"/>
-              <a:t>10.5.2023</a:t>
+              <a:t>11.5.2023</a:t>
             </a:fld>
             <a:endParaRPr lang="fi-FI"/>
           </a:p>
@@ -2726,7 +2726,7 @@
           <a:p>
             <a:fld id="{F93D40CA-7881-4CEE-ACE1-1D1DD43EAAD8}" type="datetimeFigureOut">
               <a:rPr lang="fi-FI" smtClean="0"/>
-              <a:t>10.5.2023</a:t>
+              <a:t>11.5.2023</a:t>
             </a:fld>
             <a:endParaRPr lang="fi-FI"/>
           </a:p>
@@ -3184,11 +3184,7 @@
           <a:p>
             <a:r>
               <a:rPr lang="fi-FI" dirty="0" smtClean="0"/>
-              <a:t>Paulii</a:t>
-            </a:r>
-            <a:r>
-              <a:rPr lang="fi-FI" dirty="0" smtClean="0"/>
-              <a:t>na Hippula</a:t>
+              <a:t>Pauliina Hippula</a:t>
             </a:r>
             <a:endParaRPr lang="fi-FI" dirty="0"/>
           </a:p>
@@ -3459,7 +3455,19 @@
             </a:r>
             <a:r>
               <a:rPr lang="fi-FI" dirty="0" smtClean="0"/>
-              <a:t> the Sql </a:t>
+              <a:t> the </a:t>
+            </a:r>
+            <a:r>
+              <a:rPr lang="fi-FI" dirty="0" err="1" smtClean="0"/>
+              <a:t>parameters</a:t>
+            </a:r>
+            <a:r>
+              <a:rPr lang="fi-FI" dirty="0" smtClean="0"/>
+              <a:t> of the </a:t>
+            </a:r>
+            <a:r>
+              <a:rPr lang="fi-FI" dirty="0"/>
+              <a:t>Sql </a:t>
             </a:r>
             <a:r>
               <a:rPr lang="fi-FI" dirty="0" err="1" smtClean="0"/>
@@ -3467,22 +3475,6 @@
             </a:r>
             <a:r>
               <a:rPr lang="fi-FI" dirty="0" smtClean="0"/>
-              <a:t> and </a:t>
-            </a:r>
-            <a:r>
-              <a:rPr lang="fi-FI" dirty="0" err="1" smtClean="0"/>
-              <a:t>its</a:t>
-            </a:r>
-            <a:r>
-              <a:rPr lang="fi-FI" dirty="0" smtClean="0"/>
-              <a:t> </a:t>
-            </a:r>
-            <a:r>
-              <a:rPr lang="fi-FI" dirty="0" err="1" smtClean="0"/>
-              <a:t>parameters</a:t>
-            </a:r>
-            <a:r>
-              <a:rPr lang="fi-FI" dirty="0" smtClean="0"/>
               <a:t> </a:t>
             </a:r>
             <a:r>
@@ -3527,27 +3519,11 @@
             </a:r>
             <a:r>
               <a:rPr lang="fi-FI" dirty="0" err="1" smtClean="0"/>
-              <a:t>command</a:t>
-            </a:r>
-            <a:r>
-              <a:rPr lang="fi-FI" dirty="0" smtClean="0"/>
-              <a:t> and </a:t>
-            </a:r>
-            <a:r>
-              <a:rPr lang="fi-FI" dirty="0" err="1" smtClean="0"/>
-              <a:t>its</a:t>
-            </a:r>
-            <a:r>
-              <a:rPr lang="fi-FI" dirty="0" smtClean="0"/>
-              <a:t> </a:t>
-            </a:r>
-            <a:r>
-              <a:rPr lang="fi-FI" dirty="0" err="1" smtClean="0"/>
-              <a:t>parameters</a:t>
-            </a:r>
-            <a:r>
-              <a:rPr lang="fi-FI" dirty="0" smtClean="0"/>
-              <a:t> </a:t>
+              <a:t>code</a:t>
+            </a:r>
+            <a:r>
+              <a:rPr lang="fi-FI" dirty="0" smtClean="0"/>
+              <a:t> and data </a:t>
             </a:r>
             <a:r>
               <a:rPr lang="fi-FI" dirty="0" err="1" smtClean="0"/>
@@ -3664,12 +3640,12 @@
               <a:t> as a </a:t>
             </a:r>
             <a:r>
-              <a:rPr lang="fi-FI" dirty="0" err="1" smtClean="0"/>
-              <a:t>variable</a:t>
-            </a:r>
-            <a:r>
-              <a:rPr lang="fi-FI" dirty="0" smtClean="0"/>
-              <a:t>. [1]</a:t>
+              <a:rPr lang="fi-FI" smtClean="0"/>
+              <a:t>variables. </a:t>
+            </a:r>
+            <a:r>
+              <a:rPr lang="fi-FI" dirty="0" smtClean="0"/>
+              <a:t>[1]</a:t>
             </a:r>
             <a:endParaRPr lang="fi-FI" dirty="0"/>
           </a:p>
@@ -5462,15 +5438,7 @@
             </a:r>
             <a:r>
               <a:rPr lang="en-US" dirty="0" smtClean="0"/>
-              <a:t>. Referred i</a:t>
-            </a:r>
-            <a:r>
-              <a:rPr lang="en-US" dirty="0" smtClean="0"/>
-              <a:t>n</a:t>
-            </a:r>
-            <a:r>
-              <a:rPr lang="en-US" dirty="0" smtClean="0"/>
-              <a:t> 10.5.2023</a:t>
+              <a:t>. Referred in 10.5.2023</a:t>
             </a:r>
             <a:endParaRPr lang="fi-FI" dirty="0"/>
           </a:p>
